--- a/presentation/Введение в ML.pptx
+++ b/presentation/Введение в ML.pptx
@@ -14,6 +14,12 @@
     <p:sldId id="262" r:id="rId8"/>
     <p:sldId id="263" r:id="rId9"/>
     <p:sldId id="264" r:id="rId10"/>
+    <p:sldId id="265" r:id="rId11"/>
+    <p:sldId id="266" r:id="rId12"/>
+    <p:sldId id="267" r:id="rId13"/>
+    <p:sldId id="268" r:id="rId14"/>
+    <p:sldId id="269" r:id="rId15"/>
+    <p:sldId id="270" r:id="rId16"/>
   </p:sldIdLst>
   <p:sldSz cx="12192000" cy="6858000"/>
   <p:notesSz cx="6858000" cy="9144000"/>
@@ -112,6 +118,11 @@
       </a:defRPr>
     </a:lvl9pPr>
   </p:defaultTextStyle>
+  <p:extLst>
+    <p:ext uri="{EFAFB233-063F-42B5-8137-9DF3F51BA10A}">
+      <p15:sldGuideLst xmlns:p15="http://schemas.microsoft.com/office/powerpoint/2012/main"/>
+    </p:ext>
+  </p:extLst>
 </p:presentation>
 </file>
 
@@ -301,7 +312,7 @@
           <a:p>
             <a:fld id="{BC70A035-9F29-43B8-9D34-6252129046CB}" type="datetimeFigureOut">
               <a:rPr lang="en-US" smtClean="0"/>
-              <a:t>10/31/2024</a:t>
+              <a:t>11/1/2024</a:t>
             </a:fld>
             <a:endParaRPr lang="en-US"/>
           </a:p>
@@ -576,7 +587,7 @@
           <a:p>
             <a:fld id="{BC70A035-9F29-43B8-9D34-6252129046CB}" type="datetimeFigureOut">
               <a:rPr lang="en-US" smtClean="0"/>
-              <a:t>10/31/2024</a:t>
+              <a:t>11/1/2024</a:t>
             </a:fld>
             <a:endParaRPr lang="en-US"/>
           </a:p>
@@ -770,7 +781,7 @@
           <a:p>
             <a:fld id="{BC70A035-9F29-43B8-9D34-6252129046CB}" type="datetimeFigureOut">
               <a:rPr lang="en-US" smtClean="0"/>
-              <a:t>10/31/2024</a:t>
+              <a:t>11/1/2024</a:t>
             </a:fld>
             <a:endParaRPr lang="en-US"/>
           </a:p>
@@ -1043,7 +1054,7 @@
           <a:p>
             <a:fld id="{BC70A035-9F29-43B8-9D34-6252129046CB}" type="datetimeFigureOut">
               <a:rPr lang="en-US" smtClean="0"/>
-              <a:t>10/31/2024</a:t>
+              <a:t>11/1/2024</a:t>
             </a:fld>
             <a:endParaRPr lang="en-US"/>
           </a:p>
@@ -1384,7 +1395,7 @@
           <a:p>
             <a:fld id="{BC70A035-9F29-43B8-9D34-6252129046CB}" type="datetimeFigureOut">
               <a:rPr lang="en-US" smtClean="0"/>
-              <a:t>10/31/2024</a:t>
+              <a:t>11/1/2024</a:t>
             </a:fld>
             <a:endParaRPr lang="en-US"/>
           </a:p>
@@ -2007,7 +2018,7 @@
           <a:p>
             <a:fld id="{BC70A035-9F29-43B8-9D34-6252129046CB}" type="datetimeFigureOut">
               <a:rPr lang="en-US" smtClean="0"/>
-              <a:t>10/31/2024</a:t>
+              <a:t>11/1/2024</a:t>
             </a:fld>
             <a:endParaRPr lang="en-US"/>
           </a:p>
@@ -2867,7 +2878,7 @@
           <a:p>
             <a:fld id="{BC70A035-9F29-43B8-9D34-6252129046CB}" type="datetimeFigureOut">
               <a:rPr lang="en-US" smtClean="0"/>
-              <a:t>10/31/2024</a:t>
+              <a:t>11/1/2024</a:t>
             </a:fld>
             <a:endParaRPr lang="en-US"/>
           </a:p>
@@ -3037,7 +3048,7 @@
           <a:p>
             <a:fld id="{BC70A035-9F29-43B8-9D34-6252129046CB}" type="datetimeFigureOut">
               <a:rPr lang="en-US" smtClean="0"/>
-              <a:t>10/31/2024</a:t>
+              <a:t>11/1/2024</a:t>
             </a:fld>
             <a:endParaRPr lang="en-US"/>
           </a:p>
@@ -3217,7 +3228,7 @@
           <a:p>
             <a:fld id="{BC70A035-9F29-43B8-9D34-6252129046CB}" type="datetimeFigureOut">
               <a:rPr lang="en-US" smtClean="0"/>
-              <a:t>10/31/2024</a:t>
+              <a:t>11/1/2024</a:t>
             </a:fld>
             <a:endParaRPr lang="en-US"/>
           </a:p>
@@ -3387,7 +3398,7 @@
           <a:p>
             <a:fld id="{BC70A035-9F29-43B8-9D34-6252129046CB}" type="datetimeFigureOut">
               <a:rPr lang="en-US" smtClean="0"/>
-              <a:t>10/31/2024</a:t>
+              <a:t>11/1/2024</a:t>
             </a:fld>
             <a:endParaRPr lang="en-US"/>
           </a:p>
@@ -3634,7 +3645,7 @@
           <a:p>
             <a:fld id="{BC70A035-9F29-43B8-9D34-6252129046CB}" type="datetimeFigureOut">
               <a:rPr lang="en-US" smtClean="0"/>
-              <a:t>10/31/2024</a:t>
+              <a:t>11/1/2024</a:t>
             </a:fld>
             <a:endParaRPr lang="en-US"/>
           </a:p>
@@ -3926,7 +3937,7 @@
           <a:p>
             <a:fld id="{BC70A035-9F29-43B8-9D34-6252129046CB}" type="datetimeFigureOut">
               <a:rPr lang="en-US" smtClean="0"/>
-              <a:t>10/31/2024</a:t>
+              <a:t>11/1/2024</a:t>
             </a:fld>
             <a:endParaRPr lang="en-US"/>
           </a:p>
@@ -4370,7 +4381,7 @@
           <a:p>
             <a:fld id="{BC70A035-9F29-43B8-9D34-6252129046CB}" type="datetimeFigureOut">
               <a:rPr lang="en-US" smtClean="0"/>
-              <a:t>10/31/2024</a:t>
+              <a:t>11/1/2024</a:t>
             </a:fld>
             <a:endParaRPr lang="en-US"/>
           </a:p>
@@ -4488,7 +4499,7 @@
           <a:p>
             <a:fld id="{BC70A035-9F29-43B8-9D34-6252129046CB}" type="datetimeFigureOut">
               <a:rPr lang="en-US" smtClean="0"/>
-              <a:t>10/31/2024</a:t>
+              <a:t>11/1/2024</a:t>
             </a:fld>
             <a:endParaRPr lang="en-US"/>
           </a:p>
@@ -4583,7 +4594,7 @@
           <a:p>
             <a:fld id="{BC70A035-9F29-43B8-9D34-6252129046CB}" type="datetimeFigureOut">
               <a:rPr lang="en-US" smtClean="0"/>
-              <a:t>10/31/2024</a:t>
+              <a:t>11/1/2024</a:t>
             </a:fld>
             <a:endParaRPr lang="en-US"/>
           </a:p>
@@ -4862,7 +4873,7 @@
           <a:p>
             <a:fld id="{BC70A035-9F29-43B8-9D34-6252129046CB}" type="datetimeFigureOut">
               <a:rPr lang="en-US" smtClean="0"/>
-              <a:t>10/31/2024</a:t>
+              <a:t>11/1/2024</a:t>
             </a:fld>
             <a:endParaRPr lang="en-US"/>
           </a:p>
@@ -5137,7 +5148,7 @@
           <a:p>
             <a:fld id="{BC70A035-9F29-43B8-9D34-6252129046CB}" type="datetimeFigureOut">
               <a:rPr lang="en-US" smtClean="0"/>
-              <a:t>10/31/2024</a:t>
+              <a:t>11/1/2024</a:t>
             </a:fld>
             <a:endParaRPr lang="en-US"/>
           </a:p>
@@ -5566,7 +5577,7 @@
           <a:p>
             <a:fld id="{BC70A035-9F29-43B8-9D34-6252129046CB}" type="datetimeFigureOut">
               <a:rPr lang="en-US" smtClean="0"/>
-              <a:t>10/31/2024</a:t>
+              <a:t>11/1/2024</a:t>
             </a:fld>
             <a:endParaRPr lang="en-US"/>
           </a:p>
@@ -6197,6 +6208,1263 @@
 </p:sld>
 </file>
 
+<file path=ppt/slides/slide10.xml><?xml version="1.0" encoding="utf-8"?>
+<p:sld xmlns:a="http://schemas.openxmlformats.org/drawingml/2006/main" xmlns:r="http://schemas.openxmlformats.org/officeDocument/2006/relationships" xmlns:p="http://schemas.openxmlformats.org/presentationml/2006/main">
+  <p:cSld>
+    <p:spTree>
+      <p:nvGrpSpPr>
+        <p:cNvPr id="1" name=""/>
+        <p:cNvGrpSpPr/>
+        <p:nvPr/>
+      </p:nvGrpSpPr>
+      <p:grpSpPr>
+        <a:xfrm>
+          <a:off x="0" y="0"/>
+          <a:ext cx="0" cy="0"/>
+          <a:chOff x="0" y="0"/>
+          <a:chExt cx="0" cy="0"/>
+        </a:xfrm>
+      </p:grpSpPr>
+      <p:sp>
+        <p:nvSpPr>
+          <p:cNvPr id="2" name="Заголовок 1">
+            <a:extLst>
+              <a:ext uri="{FF2B5EF4-FFF2-40B4-BE49-F238E27FC236}">
+                <a16:creationId xmlns:a16="http://schemas.microsoft.com/office/drawing/2014/main" id="{E857E7B5-1C53-415A-81B5-C03BEFA04571}"/>
+              </a:ext>
+            </a:extLst>
+          </p:cNvPr>
+          <p:cNvSpPr>
+            <a:spLocks noGrp="1"/>
+          </p:cNvSpPr>
+          <p:nvPr>
+            <p:ph type="title"/>
+          </p:nvPr>
+        </p:nvSpPr>
+        <p:spPr/>
+        <p:txBody>
+          <a:bodyPr/>
+          <a:lstStyle/>
+          <a:p>
+            <a:pPr algn="ctr"/>
+            <a:r>
+              <a:rPr lang="ru-RU" sz="2400" dirty="0"/>
+              <a:t>Метрики качества модели </a:t>
+            </a:r>
+            <a:br>
+              <a:rPr lang="ru-RU" sz="2400" dirty="0"/>
+            </a:br>
+            <a:r>
+              <a:rPr lang="ru-RU" sz="2400" dirty="0"/>
+              <a:t>(бинарная классификация)</a:t>
+            </a:r>
+            <a:br>
+              <a:rPr lang="ru-RU" sz="2400" dirty="0"/>
+            </a:br>
+            <a:r>
+              <a:rPr lang="ru-RU" sz="2400" b="1" dirty="0"/>
+              <a:t>1. </a:t>
+            </a:r>
+            <a:r>
+              <a:rPr lang="en-US" sz="2400" b="1" dirty="0"/>
+              <a:t>Accuracy (</a:t>
+            </a:r>
+            <a:r>
+              <a:rPr lang="ru-RU" sz="2400" b="1" dirty="0"/>
+              <a:t>аккуратность)</a:t>
+            </a:r>
+            <a:endParaRPr lang="en-US" sz="2400" b="1" dirty="0"/>
+          </a:p>
+        </p:txBody>
+      </p:sp>
+      <p:sp>
+        <p:nvSpPr>
+          <p:cNvPr id="3" name="Объект 2">
+            <a:extLst>
+              <a:ext uri="{FF2B5EF4-FFF2-40B4-BE49-F238E27FC236}">
+                <a16:creationId xmlns:a16="http://schemas.microsoft.com/office/drawing/2014/main" id="{0A09E0FC-F90C-47D2-BB3B-B5ED524A0546}"/>
+              </a:ext>
+            </a:extLst>
+          </p:cNvPr>
+          <p:cNvSpPr>
+            <a:spLocks noGrp="1"/>
+          </p:cNvSpPr>
+          <p:nvPr>
+            <p:ph idx="1"/>
+          </p:nvPr>
+        </p:nvSpPr>
+        <p:spPr>
+          <a:xfrm>
+            <a:off x="1103312" y="3704665"/>
+            <a:ext cx="8946541" cy="2543734"/>
+          </a:xfrm>
+        </p:spPr>
+        <p:txBody>
+          <a:bodyPr/>
+          <a:lstStyle/>
+          <a:p>
+            <a:r>
+              <a:rPr lang="ru-RU" dirty="0"/>
+              <a:t>Аккуратность (</a:t>
+            </a:r>
+            <a:r>
+              <a:rPr lang="ru-RU" dirty="0" err="1"/>
+              <a:t>Accuracy</a:t>
+            </a:r>
+            <a:r>
+              <a:rPr lang="ru-RU" dirty="0"/>
+              <a:t>) – доля объектов, для которых мы верно предсказали класс</a:t>
+            </a:r>
+          </a:p>
+          <a:p>
+            <a:r>
+              <a:rPr lang="ru-RU" dirty="0"/>
+              <a:t>Не учитывает дисбаланс классов</a:t>
+            </a:r>
+          </a:p>
+          <a:p>
+            <a:r>
+              <a:rPr lang="ru-RU" dirty="0"/>
+              <a:t>Не учитывает цену ошибки на объектах разных классов</a:t>
+            </a:r>
+            <a:endParaRPr lang="en-US" dirty="0"/>
+          </a:p>
+        </p:txBody>
+      </p:sp>
+      <p:pic>
+        <p:nvPicPr>
+          <p:cNvPr id="5" name="Рисунок 4">
+            <a:extLst>
+              <a:ext uri="{FF2B5EF4-FFF2-40B4-BE49-F238E27FC236}">
+                <a16:creationId xmlns:a16="http://schemas.microsoft.com/office/drawing/2014/main" id="{A670D8A0-4363-4C53-8AA9-11371A71CDBB}"/>
+              </a:ext>
+            </a:extLst>
+          </p:cNvPr>
+          <p:cNvPicPr>
+            <a:picLocks noChangeAspect="1"/>
+          </p:cNvPicPr>
+          <p:nvPr/>
+        </p:nvPicPr>
+        <p:blipFill>
+          <a:blip r:embed="rId2"/>
+          <a:stretch>
+            <a:fillRect/>
+          </a:stretch>
+        </p:blipFill>
+        <p:spPr>
+          <a:xfrm>
+            <a:off x="3425353" y="2661352"/>
+            <a:ext cx="4077269" cy="647790"/>
+          </a:xfrm>
+          <a:prstGeom prst="rect">
+            <a:avLst/>
+          </a:prstGeom>
+        </p:spPr>
+      </p:pic>
+    </p:spTree>
+    <p:extLst>
+      <p:ext uri="{BB962C8B-B14F-4D97-AF65-F5344CB8AC3E}">
+        <p14:creationId xmlns:p14="http://schemas.microsoft.com/office/powerpoint/2010/main" val="3286223898"/>
+      </p:ext>
+    </p:extLst>
+  </p:cSld>
+  <p:clrMapOvr>
+    <a:masterClrMapping/>
+  </p:clrMapOvr>
+</p:sld>
+</file>
+
+<file path=ppt/slides/slide11.xml><?xml version="1.0" encoding="utf-8"?>
+<p:sld xmlns:a="http://schemas.openxmlformats.org/drawingml/2006/main" xmlns:r="http://schemas.openxmlformats.org/officeDocument/2006/relationships" xmlns:p="http://schemas.openxmlformats.org/presentationml/2006/main">
+  <p:cSld>
+    <p:spTree>
+      <p:nvGrpSpPr>
+        <p:cNvPr id="1" name=""/>
+        <p:cNvGrpSpPr/>
+        <p:nvPr/>
+      </p:nvGrpSpPr>
+      <p:grpSpPr>
+        <a:xfrm>
+          <a:off x="0" y="0"/>
+          <a:ext cx="0" cy="0"/>
+          <a:chOff x="0" y="0"/>
+          <a:chExt cx="0" cy="0"/>
+        </a:xfrm>
+      </p:grpSpPr>
+      <p:sp>
+        <p:nvSpPr>
+          <p:cNvPr id="2" name="Заголовок 1">
+            <a:extLst>
+              <a:ext uri="{FF2B5EF4-FFF2-40B4-BE49-F238E27FC236}">
+                <a16:creationId xmlns:a16="http://schemas.microsoft.com/office/drawing/2014/main" id="{0CA09337-C857-4656-8625-5FD75F9B5CA0}"/>
+              </a:ext>
+            </a:extLst>
+          </p:cNvPr>
+          <p:cNvSpPr>
+            <a:spLocks noGrp="1"/>
+          </p:cNvSpPr>
+          <p:nvPr>
+            <p:ph type="title"/>
+          </p:nvPr>
+        </p:nvSpPr>
+        <p:spPr>
+          <a:xfrm>
+            <a:off x="646111" y="452718"/>
+            <a:ext cx="9404723" cy="730623"/>
+          </a:xfrm>
+        </p:spPr>
+        <p:txBody>
+          <a:bodyPr/>
+          <a:lstStyle/>
+          <a:p>
+            <a:pPr algn="ctr"/>
+            <a:r>
+              <a:rPr lang="en-US" sz="3200" b="1" dirty="0"/>
+              <a:t>1. Accuracy (</a:t>
+            </a:r>
+            <a:r>
+              <a:rPr lang="ru-RU" sz="3200" b="1" dirty="0"/>
+              <a:t>аккуратность)</a:t>
+            </a:r>
+            <a:endParaRPr lang="en-US" sz="3200" b="1" dirty="0"/>
+          </a:p>
+        </p:txBody>
+      </p:sp>
+      <p:sp>
+        <p:nvSpPr>
+          <p:cNvPr id="3" name="Объект 2">
+            <a:extLst>
+              <a:ext uri="{FF2B5EF4-FFF2-40B4-BE49-F238E27FC236}">
+                <a16:creationId xmlns:a16="http://schemas.microsoft.com/office/drawing/2014/main" id="{76DF873D-88FC-40FB-A898-0F690426C4D7}"/>
+              </a:ext>
+            </a:extLst>
+          </p:cNvPr>
+          <p:cNvSpPr>
+            <a:spLocks noGrp="1"/>
+          </p:cNvSpPr>
+          <p:nvPr>
+            <p:ph idx="1"/>
+          </p:nvPr>
+        </p:nvSpPr>
+        <p:spPr/>
+        <p:txBody>
+          <a:bodyPr/>
+          <a:lstStyle/>
+          <a:p>
+            <a:r>
+              <a:rPr lang="ru-RU" dirty="0"/>
+              <a:t>Имеется 100 фотографий кошек и 10 фотографий собак</a:t>
+            </a:r>
+          </a:p>
+          <a:p>
+            <a:r>
+              <a:rPr lang="ru-RU" dirty="0"/>
+              <a:t>Наш классификатор верно определил 90 кошек и 5 собак</a:t>
+            </a:r>
+          </a:p>
+          <a:p>
+            <a:r>
+              <a:rPr lang="en-US" dirty="0"/>
+              <a:t>Accuracy = (90+5)/(90+10+5+5) = 95/110 = 0.86</a:t>
+            </a:r>
+          </a:p>
+          <a:p>
+            <a:r>
+              <a:rPr lang="ru-RU" dirty="0"/>
+              <a:t>Константная модель ответила, что везде кошки: 100</a:t>
+            </a:r>
+            <a:r>
+              <a:rPr lang="en-US" dirty="0"/>
+              <a:t>/110 = 0.91</a:t>
+            </a:r>
+          </a:p>
+          <a:p>
+            <a:endParaRPr lang="ru-RU" dirty="0"/>
+          </a:p>
+        </p:txBody>
+      </p:sp>
+    </p:spTree>
+    <p:extLst>
+      <p:ext uri="{BB962C8B-B14F-4D97-AF65-F5344CB8AC3E}">
+        <p14:creationId xmlns:p14="http://schemas.microsoft.com/office/powerpoint/2010/main" val="937810939"/>
+      </p:ext>
+    </p:extLst>
+  </p:cSld>
+  <p:clrMapOvr>
+    <a:masterClrMapping/>
+  </p:clrMapOvr>
+</p:sld>
+</file>
+
+<file path=ppt/slides/slide12.xml><?xml version="1.0" encoding="utf-8"?>
+<p:sld xmlns:a="http://schemas.openxmlformats.org/drawingml/2006/main" xmlns:r="http://schemas.openxmlformats.org/officeDocument/2006/relationships" xmlns:p="http://schemas.openxmlformats.org/presentationml/2006/main">
+  <p:cSld>
+    <p:spTree>
+      <p:nvGrpSpPr>
+        <p:cNvPr id="1" name=""/>
+        <p:cNvGrpSpPr/>
+        <p:nvPr/>
+      </p:nvGrpSpPr>
+      <p:grpSpPr>
+        <a:xfrm>
+          <a:off x="0" y="0"/>
+          <a:ext cx="0" cy="0"/>
+          <a:chOff x="0" y="0"/>
+          <a:chExt cx="0" cy="0"/>
+        </a:xfrm>
+      </p:grpSpPr>
+      <p:sp>
+        <p:nvSpPr>
+          <p:cNvPr id="2" name="Заголовок 1">
+            <a:extLst>
+              <a:ext uri="{FF2B5EF4-FFF2-40B4-BE49-F238E27FC236}">
+                <a16:creationId xmlns:a16="http://schemas.microsoft.com/office/drawing/2014/main" id="{500B471F-A84D-4AE9-8711-784394A01B4B}"/>
+              </a:ext>
+            </a:extLst>
+          </p:cNvPr>
+          <p:cNvSpPr>
+            <a:spLocks noGrp="1"/>
+          </p:cNvSpPr>
+          <p:nvPr>
+            <p:ph type="title"/>
+          </p:nvPr>
+        </p:nvSpPr>
+        <p:spPr/>
+        <p:txBody>
+          <a:bodyPr/>
+          <a:lstStyle/>
+          <a:p>
+            <a:pPr algn="ctr"/>
+            <a:r>
+              <a:rPr lang="ru-RU" sz="3600" dirty="0"/>
+              <a:t>Матрица ошибок (</a:t>
+            </a:r>
+            <a:r>
+              <a:rPr lang="en-US" sz="3600" dirty="0"/>
+              <a:t>confusion matrix)</a:t>
+            </a:r>
+          </a:p>
+        </p:txBody>
+      </p:sp>
+      <p:pic>
+        <p:nvPicPr>
+          <p:cNvPr id="7" name="Объект 6">
+            <a:extLst>
+              <a:ext uri="{FF2B5EF4-FFF2-40B4-BE49-F238E27FC236}">
+                <a16:creationId xmlns:a16="http://schemas.microsoft.com/office/drawing/2014/main" id="{D9E32095-CB2E-4C6B-8C26-F4292DAC080A}"/>
+              </a:ext>
+            </a:extLst>
+          </p:cNvPr>
+          <p:cNvPicPr>
+            <a:picLocks noGrp="1" noChangeAspect="1"/>
+          </p:cNvPicPr>
+          <p:nvPr>
+            <p:ph idx="1"/>
+          </p:nvPr>
+        </p:nvPicPr>
+        <p:blipFill>
+          <a:blip r:embed="rId2"/>
+          <a:stretch>
+            <a:fillRect/>
+          </a:stretch>
+        </p:blipFill>
+        <p:spPr>
+          <a:xfrm>
+            <a:off x="1787340" y="1259262"/>
+            <a:ext cx="7619803" cy="4195762"/>
+          </a:xfrm>
+          <a:prstGeom prst="rect">
+            <a:avLst/>
+          </a:prstGeom>
+        </p:spPr>
+      </p:pic>
+      <p:sp>
+        <p:nvSpPr>
+          <p:cNvPr id="8" name="TextBox 7">
+            <a:extLst>
+              <a:ext uri="{FF2B5EF4-FFF2-40B4-BE49-F238E27FC236}">
+                <a16:creationId xmlns:a16="http://schemas.microsoft.com/office/drawing/2014/main" id="{D36E623A-62EC-4149-B54A-C80DD3D18804}"/>
+              </a:ext>
+            </a:extLst>
+          </p:cNvPr>
+          <p:cNvSpPr txBox="1"/>
+          <p:nvPr/>
+        </p:nvSpPr>
+        <p:spPr>
+          <a:xfrm>
+            <a:off x="262218" y="2420471"/>
+            <a:ext cx="1290917" cy="646331"/>
+          </a:xfrm>
+          <a:prstGeom prst="rect">
+            <a:avLst/>
+          </a:prstGeom>
+          <a:noFill/>
+        </p:spPr>
+        <p:txBody>
+          <a:bodyPr wrap="square" rtlCol="0">
+            <a:spAutoFit/>
+          </a:bodyPr>
+          <a:lstStyle/>
+          <a:p>
+            <a:pPr algn="ctr"/>
+            <a:r>
+              <a:rPr lang="en-US" dirty="0"/>
+              <a:t>90 </a:t>
+            </a:r>
+            <a:r>
+              <a:rPr lang="ru-RU" dirty="0"/>
+              <a:t>кошек верно</a:t>
+            </a:r>
+            <a:endParaRPr lang="en-US" dirty="0"/>
+          </a:p>
+        </p:txBody>
+      </p:sp>
+      <p:sp>
+        <p:nvSpPr>
+          <p:cNvPr id="9" name="TextBox 8">
+            <a:extLst>
+              <a:ext uri="{FF2B5EF4-FFF2-40B4-BE49-F238E27FC236}">
+                <a16:creationId xmlns:a16="http://schemas.microsoft.com/office/drawing/2014/main" id="{AA835E16-E05B-4409-968F-81A3EEC16419}"/>
+              </a:ext>
+            </a:extLst>
+          </p:cNvPr>
+          <p:cNvSpPr txBox="1"/>
+          <p:nvPr/>
+        </p:nvSpPr>
+        <p:spPr>
+          <a:xfrm>
+            <a:off x="9473453" y="1492624"/>
+            <a:ext cx="2238935" cy="646331"/>
+          </a:xfrm>
+          <a:prstGeom prst="rect">
+            <a:avLst/>
+          </a:prstGeom>
+          <a:noFill/>
+        </p:spPr>
+        <p:txBody>
+          <a:bodyPr wrap="square" rtlCol="0">
+            <a:spAutoFit/>
+          </a:bodyPr>
+          <a:lstStyle/>
+          <a:p>
+            <a:r>
+              <a:rPr lang="ru-RU" dirty="0"/>
+              <a:t>Кошка – 1 (да)</a:t>
+            </a:r>
+          </a:p>
+          <a:p>
+            <a:r>
+              <a:rPr lang="ru-RU" dirty="0"/>
+              <a:t>Собака – 0 (нет)</a:t>
+            </a:r>
+            <a:endParaRPr lang="en-US" dirty="0"/>
+          </a:p>
+        </p:txBody>
+      </p:sp>
+      <p:sp>
+        <p:nvSpPr>
+          <p:cNvPr id="10" name="TextBox 9">
+            <a:extLst>
+              <a:ext uri="{FF2B5EF4-FFF2-40B4-BE49-F238E27FC236}">
+                <a16:creationId xmlns:a16="http://schemas.microsoft.com/office/drawing/2014/main" id="{E0ACC2B4-8986-43DA-9AED-9E82766A8C0B}"/>
+              </a:ext>
+            </a:extLst>
+          </p:cNvPr>
+          <p:cNvSpPr txBox="1"/>
+          <p:nvPr/>
+        </p:nvSpPr>
+        <p:spPr>
+          <a:xfrm>
+            <a:off x="4188759" y="5587253"/>
+            <a:ext cx="1996888" cy="383241"/>
+          </a:xfrm>
+          <a:prstGeom prst="rect">
+            <a:avLst/>
+          </a:prstGeom>
+          <a:noFill/>
+        </p:spPr>
+        <p:txBody>
+          <a:bodyPr wrap="square" rtlCol="0">
+            <a:spAutoFit/>
+          </a:bodyPr>
+          <a:lstStyle/>
+          <a:p>
+            <a:r>
+              <a:rPr lang="ru-RU" dirty="0"/>
+              <a:t>5 собак верно</a:t>
+            </a:r>
+            <a:endParaRPr lang="en-US" dirty="0"/>
+          </a:p>
+        </p:txBody>
+      </p:sp>
+      <p:sp>
+        <p:nvSpPr>
+          <p:cNvPr id="11" name="TextBox 10">
+            <a:extLst>
+              <a:ext uri="{FF2B5EF4-FFF2-40B4-BE49-F238E27FC236}">
+                <a16:creationId xmlns:a16="http://schemas.microsoft.com/office/drawing/2014/main" id="{811AA062-B017-4B68-AE96-2DD467FDFA6F}"/>
+              </a:ext>
+            </a:extLst>
+          </p:cNvPr>
+          <p:cNvSpPr txBox="1"/>
+          <p:nvPr/>
+        </p:nvSpPr>
+        <p:spPr>
+          <a:xfrm>
+            <a:off x="127747" y="4081182"/>
+            <a:ext cx="1707777" cy="923330"/>
+          </a:xfrm>
+          <a:prstGeom prst="rect">
+            <a:avLst/>
+          </a:prstGeom>
+          <a:noFill/>
+        </p:spPr>
+        <p:txBody>
+          <a:bodyPr wrap="square" rtlCol="0">
+            <a:spAutoFit/>
+          </a:bodyPr>
+          <a:lstStyle/>
+          <a:p>
+            <a:r>
+              <a:rPr lang="ru-RU" dirty="0"/>
+              <a:t>Про 5 собак сказал, что кошки</a:t>
+            </a:r>
+            <a:endParaRPr lang="en-US" dirty="0"/>
+          </a:p>
+        </p:txBody>
+      </p:sp>
+      <p:sp>
+        <p:nvSpPr>
+          <p:cNvPr id="12" name="TextBox 11">
+            <a:extLst>
+              <a:ext uri="{FF2B5EF4-FFF2-40B4-BE49-F238E27FC236}">
+                <a16:creationId xmlns:a16="http://schemas.microsoft.com/office/drawing/2014/main" id="{56390855-ADF9-457B-9725-295F2FAC868A}"/>
+              </a:ext>
+            </a:extLst>
+          </p:cNvPr>
+          <p:cNvSpPr txBox="1"/>
+          <p:nvPr/>
+        </p:nvSpPr>
+        <p:spPr>
+          <a:xfrm>
+            <a:off x="6474759" y="1674159"/>
+            <a:ext cx="2534770" cy="646331"/>
+          </a:xfrm>
+          <a:prstGeom prst="rect">
+            <a:avLst/>
+          </a:prstGeom>
+          <a:noFill/>
+        </p:spPr>
+        <p:txBody>
+          <a:bodyPr wrap="square" rtlCol="0">
+            <a:spAutoFit/>
+          </a:bodyPr>
+          <a:lstStyle/>
+          <a:p>
+            <a:r>
+              <a:rPr lang="ru-RU" dirty="0">
+                <a:solidFill>
+                  <a:schemeClr val="bg1"/>
+                </a:solidFill>
+              </a:rPr>
+              <a:t>Про 10 кошек сказал, что собаки</a:t>
+            </a:r>
+            <a:endParaRPr lang="en-US" dirty="0">
+              <a:solidFill>
+                <a:schemeClr val="bg1"/>
+              </a:solidFill>
+            </a:endParaRPr>
+          </a:p>
+        </p:txBody>
+      </p:sp>
+    </p:spTree>
+    <p:extLst>
+      <p:ext uri="{BB962C8B-B14F-4D97-AF65-F5344CB8AC3E}">
+        <p14:creationId xmlns:p14="http://schemas.microsoft.com/office/powerpoint/2010/main" val="1766914247"/>
+      </p:ext>
+    </p:extLst>
+  </p:cSld>
+  <p:clrMapOvr>
+    <a:masterClrMapping/>
+  </p:clrMapOvr>
+</p:sld>
+</file>
+
+<file path=ppt/slides/slide13.xml><?xml version="1.0" encoding="utf-8"?>
+<p:sld xmlns:a="http://schemas.openxmlformats.org/drawingml/2006/main" xmlns:r="http://schemas.openxmlformats.org/officeDocument/2006/relationships" xmlns:p="http://schemas.openxmlformats.org/presentationml/2006/main">
+  <p:cSld>
+    <p:spTree>
+      <p:nvGrpSpPr>
+        <p:cNvPr id="1" name=""/>
+        <p:cNvGrpSpPr/>
+        <p:nvPr/>
+      </p:nvGrpSpPr>
+      <p:grpSpPr>
+        <a:xfrm>
+          <a:off x="0" y="0"/>
+          <a:ext cx="0" cy="0"/>
+          <a:chOff x="0" y="0"/>
+          <a:chExt cx="0" cy="0"/>
+        </a:xfrm>
+      </p:grpSpPr>
+      <p:sp>
+        <p:nvSpPr>
+          <p:cNvPr id="2" name="Заголовок 1">
+            <a:extLst>
+              <a:ext uri="{FF2B5EF4-FFF2-40B4-BE49-F238E27FC236}">
+                <a16:creationId xmlns:a16="http://schemas.microsoft.com/office/drawing/2014/main" id="{989FF361-1ED7-4AE8-8390-4D8E9E93B5EC}"/>
+              </a:ext>
+            </a:extLst>
+          </p:cNvPr>
+          <p:cNvSpPr>
+            <a:spLocks noGrp="1"/>
+          </p:cNvSpPr>
+          <p:nvPr>
+            <p:ph type="title"/>
+          </p:nvPr>
+        </p:nvSpPr>
+        <p:spPr/>
+        <p:txBody>
+          <a:bodyPr/>
+          <a:lstStyle/>
+          <a:p>
+            <a:pPr algn="ctr"/>
+            <a:r>
+              <a:rPr lang="ru-RU" sz="3600" dirty="0"/>
+              <a:t>Метрики качества в матрице ошибок</a:t>
+            </a:r>
+            <a:endParaRPr lang="en-US" sz="3600" dirty="0"/>
+          </a:p>
+        </p:txBody>
+      </p:sp>
+      <p:pic>
+        <p:nvPicPr>
+          <p:cNvPr id="5" name="Объект 4">
+            <a:extLst>
+              <a:ext uri="{FF2B5EF4-FFF2-40B4-BE49-F238E27FC236}">
+                <a16:creationId xmlns:a16="http://schemas.microsoft.com/office/drawing/2014/main" id="{1CDD2971-99D1-4E43-9329-B9299F7399E3}"/>
+              </a:ext>
+            </a:extLst>
+          </p:cNvPr>
+          <p:cNvPicPr>
+            <a:picLocks noGrp="1" noChangeAspect="1"/>
+          </p:cNvPicPr>
+          <p:nvPr>
+            <p:ph idx="1"/>
+          </p:nvPr>
+        </p:nvPicPr>
+        <p:blipFill>
+          <a:blip r:embed="rId2"/>
+          <a:stretch>
+            <a:fillRect/>
+          </a:stretch>
+        </p:blipFill>
+        <p:spPr>
+          <a:xfrm>
+            <a:off x="1070872" y="1427350"/>
+            <a:ext cx="4749314" cy="4195762"/>
+          </a:xfrm>
+        </p:spPr>
+      </p:pic>
+      <p:sp>
+        <p:nvSpPr>
+          <p:cNvPr id="6" name="TextBox 5">
+            <a:extLst>
+              <a:ext uri="{FF2B5EF4-FFF2-40B4-BE49-F238E27FC236}">
+                <a16:creationId xmlns:a16="http://schemas.microsoft.com/office/drawing/2014/main" id="{F61DD349-DE24-47F1-BE9A-FAEDBC5F78DE}"/>
+              </a:ext>
+            </a:extLst>
+          </p:cNvPr>
+          <p:cNvSpPr txBox="1"/>
+          <p:nvPr/>
+        </p:nvSpPr>
+        <p:spPr>
+          <a:xfrm>
+            <a:off x="6642847" y="1427350"/>
+            <a:ext cx="4478281" cy="3416320"/>
+          </a:xfrm>
+          <a:prstGeom prst="rect">
+            <a:avLst/>
+          </a:prstGeom>
+          <a:noFill/>
+        </p:spPr>
+        <p:txBody>
+          <a:bodyPr wrap="square" rtlCol="0">
+            <a:spAutoFit/>
+          </a:bodyPr>
+          <a:lstStyle/>
+          <a:p>
+            <a:r>
+              <a:rPr lang="ru-RU" dirty="0"/>
+              <a:t>Наша модель:</a:t>
+            </a:r>
+          </a:p>
+          <a:p>
+            <a:r>
+              <a:rPr lang="en-US" dirty="0"/>
+              <a:t>TP – 90</a:t>
+            </a:r>
+            <a:br>
+              <a:rPr lang="en-US" dirty="0"/>
+            </a:br>
+            <a:r>
+              <a:rPr lang="en-US" dirty="0"/>
+              <a:t>FP – 5</a:t>
+            </a:r>
+          </a:p>
+          <a:p>
+            <a:r>
+              <a:rPr lang="en-US" dirty="0"/>
+              <a:t>TN – 5</a:t>
+            </a:r>
+          </a:p>
+          <a:p>
+            <a:r>
+              <a:rPr lang="en-US" dirty="0"/>
+              <a:t>FN – 10</a:t>
+            </a:r>
+          </a:p>
+          <a:p>
+            <a:endParaRPr lang="en-US" dirty="0"/>
+          </a:p>
+          <a:p>
+            <a:endParaRPr lang="en-US" dirty="0"/>
+          </a:p>
+          <a:p>
+            <a:r>
+              <a:rPr lang="en-US" b="1" dirty="0"/>
+              <a:t>Accuracy</a:t>
+            </a:r>
+            <a:r>
+              <a:rPr lang="en-US" dirty="0"/>
+              <a:t>: (90+</a:t>
+            </a:r>
+            <a:r>
+              <a:rPr lang="ru-RU" dirty="0"/>
+              <a:t>5</a:t>
+            </a:r>
+            <a:r>
+              <a:rPr lang="en-US" dirty="0"/>
+              <a:t>)/(90+5+5+10) = </a:t>
+            </a:r>
+            <a:r>
+              <a:rPr lang="en-US" dirty="0">
+                <a:highlight>
+                  <a:srgbClr val="0000FF"/>
+                </a:highlight>
+              </a:rPr>
+              <a:t>0.86</a:t>
+            </a:r>
+          </a:p>
+          <a:p>
+            <a:r>
+              <a:rPr lang="en-US" b="1" dirty="0"/>
+              <a:t>Precision</a:t>
+            </a:r>
+            <a:r>
+              <a:rPr lang="en-US" dirty="0"/>
+              <a:t>: 90/(90+5) = 90/95 = </a:t>
+            </a:r>
+            <a:r>
+              <a:rPr lang="en-US" dirty="0">
+                <a:highlight>
+                  <a:srgbClr val="FF0000"/>
+                </a:highlight>
+              </a:rPr>
+              <a:t>0.95</a:t>
+            </a:r>
+          </a:p>
+          <a:p>
+            <a:r>
+              <a:rPr lang="en-US" b="1" dirty="0"/>
+              <a:t>Recall</a:t>
+            </a:r>
+            <a:r>
+              <a:rPr lang="en-US" dirty="0"/>
+              <a:t>: 90/(90+10) = </a:t>
+            </a:r>
+            <a:r>
+              <a:rPr lang="en-US" dirty="0">
+                <a:highlight>
+                  <a:srgbClr val="FF0000"/>
+                </a:highlight>
+              </a:rPr>
+              <a:t>0.9</a:t>
+            </a:r>
+          </a:p>
+          <a:p>
+            <a:r>
+              <a:rPr lang="en-US" b="1" dirty="0"/>
+              <a:t>F-score</a:t>
+            </a:r>
+            <a:r>
+              <a:rPr lang="en-US" dirty="0"/>
+              <a:t>: 2/ (1/</a:t>
+            </a:r>
+            <a:r>
+              <a:rPr lang="en-US" b="1" dirty="0">
+                <a:highlight>
+                  <a:srgbClr val="FF0000"/>
+                </a:highlight>
+              </a:rPr>
+              <a:t>0.95</a:t>
+            </a:r>
+            <a:r>
+              <a:rPr lang="en-US" dirty="0"/>
+              <a:t> + 1/</a:t>
+            </a:r>
+            <a:r>
+              <a:rPr lang="en-US" b="1" dirty="0">
+                <a:highlight>
+                  <a:srgbClr val="FF0000"/>
+                </a:highlight>
+              </a:rPr>
+              <a:t>0.9</a:t>
+            </a:r>
+            <a:r>
+              <a:rPr lang="en-US" dirty="0"/>
+              <a:t>) = 0.92</a:t>
+            </a:r>
+          </a:p>
+          <a:p>
+            <a:endParaRPr lang="en-US" dirty="0"/>
+          </a:p>
+        </p:txBody>
+      </p:sp>
+      <p:pic>
+        <p:nvPicPr>
+          <p:cNvPr id="2050" name="Picture 2" descr="Среднее гармоническое | Онлайн калькулятор">
+            <a:extLst>
+              <a:ext uri="{FF2B5EF4-FFF2-40B4-BE49-F238E27FC236}">
+                <a16:creationId xmlns:a16="http://schemas.microsoft.com/office/drawing/2014/main" id="{97384BAE-F9AD-4EA6-A81B-F67813FFC172}"/>
+              </a:ext>
+            </a:extLst>
+          </p:cNvPr>
+          <p:cNvPicPr>
+            <a:picLocks noChangeAspect="1" noChangeArrowheads="1"/>
+          </p:cNvPicPr>
+          <p:nvPr/>
+        </p:nvPicPr>
+        <p:blipFill>
+          <a:blip r:embed="rId3">
+            <a:extLst>
+              <a:ext uri="{28A0092B-C50C-407E-A947-70E740481C1C}">
+                <a14:useLocalDpi xmlns:a14="http://schemas.microsoft.com/office/drawing/2010/main" val="0"/>
+              </a:ext>
+            </a:extLst>
+          </a:blip>
+          <a:srcRect/>
+          <a:stretch>
+            <a:fillRect/>
+          </a:stretch>
+        </p:blipFill>
+        <p:spPr bwMode="auto">
+          <a:xfrm>
+            <a:off x="1692647" y="4945997"/>
+            <a:ext cx="3666005" cy="677115"/>
+          </a:xfrm>
+          <a:prstGeom prst="rect">
+            <a:avLst/>
+          </a:prstGeom>
+          <a:noFill/>
+          <a:extLst>
+            <a:ext uri="{909E8E84-426E-40DD-AFC4-6F175D3DCCD1}">
+              <a14:hiddenFill xmlns:a14="http://schemas.microsoft.com/office/drawing/2010/main">
+                <a:solidFill>
+                  <a:srgbClr val="FFFFFF"/>
+                </a:solidFill>
+              </a14:hiddenFill>
+            </a:ext>
+          </a:extLst>
+        </p:spPr>
+      </p:pic>
+    </p:spTree>
+    <p:extLst>
+      <p:ext uri="{BB962C8B-B14F-4D97-AF65-F5344CB8AC3E}">
+        <p14:creationId xmlns:p14="http://schemas.microsoft.com/office/powerpoint/2010/main" val="1831225141"/>
+      </p:ext>
+    </p:extLst>
+  </p:cSld>
+  <p:clrMapOvr>
+    <a:masterClrMapping/>
+  </p:clrMapOvr>
+</p:sld>
+</file>
+
+<file path=ppt/slides/slide14.xml><?xml version="1.0" encoding="utf-8"?>
+<p:sld xmlns:a="http://schemas.openxmlformats.org/drawingml/2006/main" xmlns:r="http://schemas.openxmlformats.org/officeDocument/2006/relationships" xmlns:p="http://schemas.openxmlformats.org/presentationml/2006/main">
+  <p:cSld>
+    <p:spTree>
+      <p:nvGrpSpPr>
+        <p:cNvPr id="1" name=""/>
+        <p:cNvGrpSpPr/>
+        <p:nvPr/>
+      </p:nvGrpSpPr>
+      <p:grpSpPr>
+        <a:xfrm>
+          <a:off x="0" y="0"/>
+          <a:ext cx="0" cy="0"/>
+          <a:chOff x="0" y="0"/>
+          <a:chExt cx="0" cy="0"/>
+        </a:xfrm>
+      </p:grpSpPr>
+      <p:sp>
+        <p:nvSpPr>
+          <p:cNvPr id="2" name="Заголовок 1">
+            <a:extLst>
+              <a:ext uri="{FF2B5EF4-FFF2-40B4-BE49-F238E27FC236}">
+                <a16:creationId xmlns:a16="http://schemas.microsoft.com/office/drawing/2014/main" id="{331193D6-DB90-448C-AB67-65C56946C6AC}"/>
+              </a:ext>
+            </a:extLst>
+          </p:cNvPr>
+          <p:cNvSpPr>
+            <a:spLocks noGrp="1"/>
+          </p:cNvSpPr>
+          <p:nvPr>
+            <p:ph type="title"/>
+          </p:nvPr>
+        </p:nvSpPr>
+        <p:spPr>
+          <a:xfrm>
+            <a:off x="646111" y="452718"/>
+            <a:ext cx="9404723" cy="717176"/>
+          </a:xfrm>
+        </p:spPr>
+        <p:txBody>
+          <a:bodyPr/>
+          <a:lstStyle/>
+          <a:p>
+            <a:pPr algn="ctr"/>
+            <a:r>
+              <a:rPr lang="ru-RU" sz="2800" dirty="0"/>
+              <a:t>Практика</a:t>
+            </a:r>
+            <a:endParaRPr lang="en-US" sz="2800" dirty="0"/>
+          </a:p>
+        </p:txBody>
+      </p:sp>
+      <p:sp>
+        <p:nvSpPr>
+          <p:cNvPr id="3" name="Объект 2">
+            <a:extLst>
+              <a:ext uri="{FF2B5EF4-FFF2-40B4-BE49-F238E27FC236}">
+                <a16:creationId xmlns:a16="http://schemas.microsoft.com/office/drawing/2014/main" id="{D6A9110F-353B-4A91-8C61-A0F28B7F1047}"/>
+              </a:ext>
+            </a:extLst>
+          </p:cNvPr>
+          <p:cNvSpPr>
+            <a:spLocks noGrp="1"/>
+          </p:cNvSpPr>
+          <p:nvPr>
+            <p:ph idx="1"/>
+          </p:nvPr>
+        </p:nvSpPr>
+        <p:spPr>
+          <a:xfrm>
+            <a:off x="1103312" y="1364876"/>
+            <a:ext cx="8946541" cy="4883523"/>
+          </a:xfrm>
+        </p:spPr>
+        <p:txBody>
+          <a:bodyPr/>
+          <a:lstStyle/>
+          <a:p>
+            <a:r>
+              <a:rPr lang="ru-RU" dirty="0"/>
+              <a:t>1) Задача: предсказать, уволится ли сотрудник в ближайшие полгода. Необходимо посчитать метрику MSE для данных в таблице, округлив до двух знаков. (0.2)</a:t>
+            </a:r>
+          </a:p>
+          <a:p>
+            <a:endParaRPr lang="ru-RU" dirty="0"/>
+          </a:p>
+          <a:p>
+            <a:endParaRPr lang="ru-RU" dirty="0"/>
+          </a:p>
+          <a:p>
+            <a:endParaRPr lang="ru-RU" dirty="0"/>
+          </a:p>
+          <a:p>
+            <a:endParaRPr lang="ru-RU" dirty="0"/>
+          </a:p>
+          <a:p>
+            <a:r>
+              <a:rPr lang="ru-RU" dirty="0"/>
+              <a:t>2) Задача: посчитать метрику </a:t>
+            </a:r>
+            <a:r>
+              <a:rPr lang="ru-RU" dirty="0" err="1"/>
+              <a:t>Accuracy</a:t>
+            </a:r>
+            <a:r>
+              <a:rPr lang="ru-RU" dirty="0"/>
+              <a:t> для данных в таблице, округлив до двух знаков. (0.5)</a:t>
+            </a:r>
+          </a:p>
+          <a:p>
+            <a:endParaRPr lang="en-US" dirty="0"/>
+          </a:p>
+        </p:txBody>
+      </p:sp>
+      <p:pic>
+        <p:nvPicPr>
+          <p:cNvPr id="3074" name="Picture 2">
+            <a:extLst>
+              <a:ext uri="{FF2B5EF4-FFF2-40B4-BE49-F238E27FC236}">
+                <a16:creationId xmlns:a16="http://schemas.microsoft.com/office/drawing/2014/main" id="{AE9EAFE8-6033-4C75-9BEE-ECB229D27C38}"/>
+              </a:ext>
+            </a:extLst>
+          </p:cNvPr>
+          <p:cNvPicPr>
+            <a:picLocks noChangeAspect="1" noChangeArrowheads="1"/>
+          </p:cNvPicPr>
+          <p:nvPr/>
+        </p:nvPicPr>
+        <p:blipFill>
+          <a:blip r:embed="rId2">
+            <a:extLst>
+              <a:ext uri="{28A0092B-C50C-407E-A947-70E740481C1C}">
+                <a14:useLocalDpi xmlns:a14="http://schemas.microsoft.com/office/drawing/2010/main" val="0"/>
+              </a:ext>
+            </a:extLst>
+          </a:blip>
+          <a:srcRect/>
+          <a:stretch>
+            <a:fillRect/>
+          </a:stretch>
+        </p:blipFill>
+        <p:spPr bwMode="auto">
+          <a:xfrm>
+            <a:off x="646111" y="2692282"/>
+            <a:ext cx="10188388" cy="1114355"/>
+          </a:xfrm>
+          <a:prstGeom prst="rect">
+            <a:avLst/>
+          </a:prstGeom>
+          <a:noFill/>
+          <a:extLst>
+            <a:ext uri="{909E8E84-426E-40DD-AFC4-6F175D3DCCD1}">
+              <a14:hiddenFill xmlns:a14="http://schemas.microsoft.com/office/drawing/2010/main">
+                <a:solidFill>
+                  <a:srgbClr val="FFFFFF"/>
+                </a:solidFill>
+              </a14:hiddenFill>
+            </a:ext>
+          </a:extLst>
+        </p:spPr>
+      </p:pic>
+      <p:pic>
+        <p:nvPicPr>
+          <p:cNvPr id="5" name="Рисунок 4">
+            <a:extLst>
+              <a:ext uri="{FF2B5EF4-FFF2-40B4-BE49-F238E27FC236}">
+                <a16:creationId xmlns:a16="http://schemas.microsoft.com/office/drawing/2014/main" id="{C5D00B19-AF00-4BA3-ADAA-443809576349}"/>
+              </a:ext>
+            </a:extLst>
+          </p:cNvPr>
+          <p:cNvPicPr>
+            <a:picLocks noChangeAspect="1"/>
+          </p:cNvPicPr>
+          <p:nvPr/>
+        </p:nvPicPr>
+        <p:blipFill>
+          <a:blip r:embed="rId3"/>
+          <a:stretch>
+            <a:fillRect/>
+          </a:stretch>
+        </p:blipFill>
+        <p:spPr>
+          <a:xfrm>
+            <a:off x="2955537" y="5026466"/>
+            <a:ext cx="5126993" cy="1513175"/>
+          </a:xfrm>
+          <a:prstGeom prst="rect">
+            <a:avLst/>
+          </a:prstGeom>
+        </p:spPr>
+      </p:pic>
+    </p:spTree>
+    <p:extLst>
+      <p:ext uri="{BB962C8B-B14F-4D97-AF65-F5344CB8AC3E}">
+        <p14:creationId xmlns:p14="http://schemas.microsoft.com/office/powerpoint/2010/main" val="503519822"/>
+      </p:ext>
+    </p:extLst>
+  </p:cSld>
+  <p:clrMapOvr>
+    <a:masterClrMapping/>
+  </p:clrMapOvr>
+</p:sld>
+</file>
+
+<file path=ppt/slides/slide15.xml><?xml version="1.0" encoding="utf-8"?>
+<p:sld xmlns:a="http://schemas.openxmlformats.org/drawingml/2006/main" xmlns:r="http://schemas.openxmlformats.org/officeDocument/2006/relationships" xmlns:p="http://schemas.openxmlformats.org/presentationml/2006/main">
+  <p:cSld>
+    <p:spTree>
+      <p:nvGrpSpPr>
+        <p:cNvPr id="1" name=""/>
+        <p:cNvGrpSpPr/>
+        <p:nvPr/>
+      </p:nvGrpSpPr>
+      <p:grpSpPr>
+        <a:xfrm>
+          <a:off x="0" y="0"/>
+          <a:ext cx="0" cy="0"/>
+          <a:chOff x="0" y="0"/>
+          <a:chExt cx="0" cy="0"/>
+        </a:xfrm>
+      </p:grpSpPr>
+      <p:sp>
+        <p:nvSpPr>
+          <p:cNvPr id="2" name="Заголовок 1">
+            <a:extLst>
+              <a:ext uri="{FF2B5EF4-FFF2-40B4-BE49-F238E27FC236}">
+                <a16:creationId xmlns:a16="http://schemas.microsoft.com/office/drawing/2014/main" id="{4CF19FCB-780E-44CE-BBF9-6B657C5C8410}"/>
+              </a:ext>
+            </a:extLst>
+          </p:cNvPr>
+          <p:cNvSpPr>
+            <a:spLocks noGrp="1"/>
+          </p:cNvSpPr>
+          <p:nvPr>
+            <p:ph type="title"/>
+          </p:nvPr>
+        </p:nvSpPr>
+        <p:spPr>
+          <a:xfrm>
+            <a:off x="646111" y="452718"/>
+            <a:ext cx="9404723" cy="912158"/>
+          </a:xfrm>
+        </p:spPr>
+        <p:txBody>
+          <a:bodyPr/>
+          <a:lstStyle/>
+          <a:p>
+            <a:pPr algn="ctr"/>
+            <a:r>
+              <a:rPr lang="ru-RU" dirty="0"/>
+              <a:t>Практика</a:t>
+            </a:r>
+            <a:endParaRPr lang="en-US" dirty="0"/>
+          </a:p>
+        </p:txBody>
+      </p:sp>
+      <p:sp>
+        <p:nvSpPr>
+          <p:cNvPr id="3" name="Объект 2">
+            <a:extLst>
+              <a:ext uri="{FF2B5EF4-FFF2-40B4-BE49-F238E27FC236}">
+                <a16:creationId xmlns:a16="http://schemas.microsoft.com/office/drawing/2014/main" id="{A5E464A0-1AF2-4A3A-A378-CEF464545B74}"/>
+              </a:ext>
+            </a:extLst>
+          </p:cNvPr>
+          <p:cNvSpPr>
+            <a:spLocks noGrp="1"/>
+          </p:cNvSpPr>
+          <p:nvPr>
+            <p:ph idx="1"/>
+          </p:nvPr>
+        </p:nvSpPr>
+        <p:spPr>
+          <a:xfrm>
+            <a:off x="1103312" y="1364876"/>
+            <a:ext cx="8946541" cy="4572000"/>
+          </a:xfrm>
+        </p:spPr>
+        <p:txBody>
+          <a:bodyPr>
+            <a:normAutofit fontScale="85000" lnSpcReduction="20000"/>
+          </a:bodyPr>
+          <a:lstStyle/>
+          <a:p>
+            <a:r>
+              <a:rPr lang="ru-RU" dirty="0"/>
+              <a:t>1) Как меняются элементы матрицы ошибок (</a:t>
+            </a:r>
+            <a:r>
+              <a:rPr lang="en-US" dirty="0"/>
+              <a:t>TP, TN, FN, FP) </a:t>
+            </a:r>
+            <a:r>
+              <a:rPr lang="ru-RU" dirty="0"/>
+              <a:t>при уменьшении порога вероятности для определения положительного класса?</a:t>
+            </a:r>
+            <a:endParaRPr lang="en-US" dirty="0"/>
+          </a:p>
+          <a:p>
+            <a:r>
+              <a:rPr lang="en-US" dirty="0"/>
+              <a:t>2) </a:t>
+            </a:r>
+            <a:r>
+              <a:rPr lang="ru-RU" dirty="0"/>
+              <a:t>Имеется 1000 фотографий мужчин и женщин. 750 фотографий – мужские лица, а 250 - женские. Классификатор учится угадывать лицо на фотографии (0 - женские, 1 - мужские). Классификатор дал правильный ответ на 700 мужских лицах и на 150 женских. Посчитайте F-меру данного классификатора.</a:t>
+            </a:r>
+          </a:p>
+          <a:p>
+            <a:endParaRPr lang="ru-RU" dirty="0"/>
+          </a:p>
+          <a:p>
+            <a:r>
+              <a:rPr lang="en-US" dirty="0"/>
+              <a:t>TP – 700</a:t>
+            </a:r>
+          </a:p>
+          <a:p>
+            <a:r>
+              <a:rPr lang="en-US" dirty="0"/>
+              <a:t>TN – 150</a:t>
+            </a:r>
+          </a:p>
+          <a:p>
+            <a:r>
+              <a:rPr lang="en-US" dirty="0"/>
+              <a:t>FP – 100</a:t>
+            </a:r>
+          </a:p>
+          <a:p>
+            <a:r>
+              <a:rPr lang="en-US" dirty="0"/>
+              <a:t>FN – 50</a:t>
+            </a:r>
+          </a:p>
+          <a:p>
+            <a:r>
+              <a:rPr lang="en-US" dirty="0"/>
+              <a:t>Precision: 700/(700+100) = 0.88</a:t>
+            </a:r>
+          </a:p>
+          <a:p>
+            <a:r>
+              <a:rPr lang="en-US" dirty="0"/>
+              <a:t>Recall: 700/(700+50) = 0.93</a:t>
+            </a:r>
+          </a:p>
+          <a:p>
+            <a:r>
+              <a:rPr lang="en-US" dirty="0"/>
+              <a:t>F-score: 2/(1/0.93+1/0.88) = 0.9</a:t>
+            </a:r>
+          </a:p>
+          <a:p>
+            <a:endParaRPr lang="en-US" dirty="0"/>
+          </a:p>
+          <a:p>
+            <a:endParaRPr lang="en-US" dirty="0"/>
+          </a:p>
+        </p:txBody>
+      </p:sp>
+    </p:spTree>
+    <p:extLst>
+      <p:ext uri="{BB962C8B-B14F-4D97-AF65-F5344CB8AC3E}">
+        <p14:creationId xmlns:p14="http://schemas.microsoft.com/office/powerpoint/2010/main" val="1379332532"/>
+      </p:ext>
+    </p:extLst>
+  </p:cSld>
+  <p:clrMapOvr>
+    <a:masterClrMapping/>
+  </p:clrMapOvr>
+</p:sld>
+</file>
+
 <file path=ppt/slides/slide2.xml><?xml version="1.0" encoding="utf-8"?>
 <p:sld xmlns:a="http://schemas.openxmlformats.org/drawingml/2006/main" xmlns:r="http://schemas.openxmlformats.org/officeDocument/2006/relationships" xmlns:p="http://schemas.openxmlformats.org/presentationml/2006/main">
   <p:cSld>
